--- a/10. Промежуточный результат последнее летнее.pptx
+++ b/10. Промежуточный результат последнее летнее.pptx
@@ -12,6 +12,7 @@
     <p:sldId id="258" r:id="rId6"/>
     <p:sldId id="259" r:id="rId7"/>
     <p:sldId id="260" r:id="rId8"/>
+    <p:sldId id="279" r:id="rId9"/>
   </p:sldIdLst>
   <p:sldSz cx="14630400" cy="8229600"/>
   <p:notesSz cx="6858000" cy="9144000"/>
@@ -308,7 +309,7 @@
           <a:p>
             <a:fld id="{5BCAD085-E8A6-8845-BD4E-CB4CCA059FC4}" type="datetimeFigureOut">
               <a:rPr lang="en-US" smtClean="0"/>
-              <a:t>7/31/2025</a:t>
+              <a:t>10/3/2025</a:t>
             </a:fld>
             <a:endParaRPr lang="en-US"/>
           </a:p>
@@ -476,7 +477,7 @@
           <a:p>
             <a:fld id="{5BCAD085-E8A6-8845-BD4E-CB4CCA059FC4}" type="datetimeFigureOut">
               <a:rPr lang="en-US" smtClean="0"/>
-              <a:t>7/31/2025</a:t>
+              <a:t>10/3/2025</a:t>
             </a:fld>
             <a:endParaRPr lang="en-US"/>
           </a:p>
@@ -654,7 +655,7 @@
           <a:p>
             <a:fld id="{5BCAD085-E8A6-8845-BD4E-CB4CCA059FC4}" type="datetimeFigureOut">
               <a:rPr lang="en-US" smtClean="0"/>
-              <a:t>7/31/2025</a:t>
+              <a:t>10/3/2025</a:t>
             </a:fld>
             <a:endParaRPr lang="en-US"/>
           </a:p>
@@ -822,7 +823,7 @@
           <a:p>
             <a:fld id="{5BCAD085-E8A6-8845-BD4E-CB4CCA059FC4}" type="datetimeFigureOut">
               <a:rPr lang="en-US" smtClean="0"/>
-              <a:t>7/31/2025</a:t>
+              <a:t>10/3/2025</a:t>
             </a:fld>
             <a:endParaRPr lang="en-US"/>
           </a:p>
@@ -1067,7 +1068,7 @@
           <a:p>
             <a:fld id="{5BCAD085-E8A6-8845-BD4E-CB4CCA059FC4}" type="datetimeFigureOut">
               <a:rPr lang="en-US" smtClean="0"/>
-              <a:t>7/31/2025</a:t>
+              <a:t>10/3/2025</a:t>
             </a:fld>
             <a:endParaRPr lang="en-US"/>
           </a:p>
@@ -1352,7 +1353,7 @@
           <a:p>
             <a:fld id="{5BCAD085-E8A6-8845-BD4E-CB4CCA059FC4}" type="datetimeFigureOut">
               <a:rPr lang="en-US" smtClean="0"/>
-              <a:t>7/31/2025</a:t>
+              <a:t>10/3/2025</a:t>
             </a:fld>
             <a:endParaRPr lang="en-US"/>
           </a:p>
@@ -1771,7 +1772,7 @@
           <a:p>
             <a:fld id="{5BCAD085-E8A6-8845-BD4E-CB4CCA059FC4}" type="datetimeFigureOut">
               <a:rPr lang="en-US" smtClean="0"/>
-              <a:t>7/31/2025</a:t>
+              <a:t>10/3/2025</a:t>
             </a:fld>
             <a:endParaRPr lang="en-US"/>
           </a:p>
@@ -1888,7 +1889,7 @@
           <a:p>
             <a:fld id="{5BCAD085-E8A6-8845-BD4E-CB4CCA059FC4}" type="datetimeFigureOut">
               <a:rPr lang="en-US" smtClean="0"/>
-              <a:t>7/31/2025</a:t>
+              <a:t>10/3/2025</a:t>
             </a:fld>
             <a:endParaRPr lang="en-US"/>
           </a:p>
@@ -1983,7 +1984,7 @@
           <a:p>
             <a:fld id="{5BCAD085-E8A6-8845-BD4E-CB4CCA059FC4}" type="datetimeFigureOut">
               <a:rPr lang="en-US" smtClean="0"/>
-              <a:t>7/31/2025</a:t>
+              <a:t>10/3/2025</a:t>
             </a:fld>
             <a:endParaRPr lang="en-US"/>
           </a:p>
@@ -2258,7 +2259,7 @@
           <a:p>
             <a:fld id="{5BCAD085-E8A6-8845-BD4E-CB4CCA059FC4}" type="datetimeFigureOut">
               <a:rPr lang="en-US" smtClean="0"/>
-              <a:t>7/31/2025</a:t>
+              <a:t>10/3/2025</a:t>
             </a:fld>
             <a:endParaRPr lang="en-US"/>
           </a:p>
@@ -2510,7 +2511,7 @@
           <a:p>
             <a:fld id="{5BCAD085-E8A6-8845-BD4E-CB4CCA059FC4}" type="datetimeFigureOut">
               <a:rPr lang="en-US" smtClean="0"/>
-              <a:t>7/31/2025</a:t>
+              <a:t>10/3/2025</a:t>
             </a:fld>
             <a:endParaRPr lang="en-US"/>
           </a:p>
@@ -2721,7 +2722,7 @@
           <a:p>
             <a:fld id="{5BCAD085-E8A6-8845-BD4E-CB4CCA059FC4}" type="datetimeFigureOut">
               <a:rPr lang="en-US" smtClean="0"/>
-              <a:t>7/31/2025</a:t>
+              <a:t>10/3/2025</a:t>
             </a:fld>
             <a:endParaRPr lang="en-US"/>
           </a:p>
@@ -4072,7 +4073,7 @@
           <a:p>
             <a:r>
               <a:rPr lang="ru-RU" sz="6600" dirty="0"/>
-              <a:t>Перед каникулами.</a:t>
+              <a:t>Закрепление.</a:t>
             </a:r>
           </a:p>
         </p:txBody>
@@ -4568,35 +4569,85 @@
           <a:lstStyle/>
           <a:p>
             <a:r>
-              <a:t>Вход:</a:t>
-            </a:r>
-          </a:p>
-          <a:p>
-            <a:r>
+              <a:rPr dirty="0" err="1"/>
+              <a:t>Вход</a:t>
+            </a:r>
+            <a:r>
+              <a:rPr dirty="0"/>
+              <a:t>:</a:t>
+            </a:r>
+          </a:p>
+          <a:p>
+            <a:r>
+              <a:rPr dirty="0"/>
               <a:t>[[2,1,1],</a:t>
             </a:r>
           </a:p>
           <a:p>
             <a:r>
+              <a:rPr dirty="0"/>
               <a:t> [1,1,0],</a:t>
             </a:r>
           </a:p>
           <a:p>
             <a:r>
+              <a:rPr dirty="0"/>
               <a:t> [0,1,1]]</a:t>
             </a:r>
           </a:p>
           <a:p>
-            <a:endParaRPr/>
-          </a:p>
-          <a:p>
-            <a:r>
-              <a:t>Выход: 4</a:t>
-            </a:r>
-          </a:p>
-          <a:p>
-            <a:r>
-              <a:t>Все апельсины гниют за 4 минуты.</a:t>
+            <a:endParaRPr dirty="0"/>
+          </a:p>
+          <a:p>
+            <a:r>
+              <a:rPr dirty="0" err="1"/>
+              <a:t>Выход</a:t>
+            </a:r>
+            <a:r>
+              <a:rPr dirty="0"/>
+              <a:t>: 4</a:t>
+            </a:r>
+          </a:p>
+          <a:p>
+            <a:r>
+              <a:rPr dirty="0" err="1"/>
+              <a:t>Все</a:t>
+            </a:r>
+            <a:r>
+              <a:rPr dirty="0"/>
+              <a:t> </a:t>
+            </a:r>
+            <a:r>
+              <a:rPr dirty="0" err="1"/>
+              <a:t>апельсины</a:t>
+            </a:r>
+            <a:r>
+              <a:rPr dirty="0"/>
+              <a:t> </a:t>
+            </a:r>
+            <a:r>
+              <a:rPr dirty="0" err="1"/>
+              <a:t>гниют</a:t>
+            </a:r>
+            <a:r>
+              <a:rPr dirty="0"/>
+              <a:t> </a:t>
+            </a:r>
+            <a:r>
+              <a:rPr dirty="0" err="1"/>
+              <a:t>за</a:t>
+            </a:r>
+            <a:r>
+              <a:rPr dirty="0"/>
+              <a:t> 4 </a:t>
+            </a:r>
+            <a:r>
+              <a:rPr dirty="0" err="1"/>
+              <a:t>минуты</a:t>
+            </a:r>
+            <a:r>
+              <a:rPr dirty="0"/>
+              <a:t>.</a:t>
             </a:r>
           </a:p>
         </p:txBody>
@@ -4888,8 +4939,8 @@
         </p:nvSpPr>
         <p:spPr bwMode="auto">
           <a:xfrm>
-            <a:off x="424540" y="1091545"/>
-            <a:ext cx="11223171" cy="6863417"/>
+            <a:off x="424540" y="1245433"/>
+            <a:ext cx="11223171" cy="6555641"/>
           </a:xfrm>
           <a:prstGeom prst="rect">
             <a:avLst/>
@@ -5752,7 +5803,7 @@
                 <a:effectLst/>
                 <a:latin typeface="Arial" panose="020B0604020202020204" pitchFamily="34" charset="0"/>
               </a:rPr>
-              <a:t>максимальное значение </a:t>
+              <a:t>значение </a:t>
             </a:r>
             <a:r>
               <a:rPr kumimoji="0" lang="ru-RU" altLang="ru-RU" sz="2000" b="1" i="0" u="none" strike="noStrike" cap="none" normalizeH="0" baseline="0" dirty="0" err="1">
@@ -6050,6 +6101,345 @@
         </p:txBody>
       </p:sp>
     </p:spTree>
+  </p:cSld>
+  <p:clrMapOvr>
+    <a:masterClrMapping/>
+  </p:clrMapOvr>
+</p:sld>
+</file>
+
+<file path=ppt/slides/slide8.xml><?xml version="1.0" encoding="utf-8"?>
+<p:sld xmlns:a="http://schemas.openxmlformats.org/drawingml/2006/main" xmlns:r="http://schemas.openxmlformats.org/officeDocument/2006/relationships" xmlns:p="http://schemas.openxmlformats.org/presentationml/2006/main">
+  <p:cSld>
+    <p:spTree>
+      <p:nvGrpSpPr>
+        <p:cNvPr id="1" name=""/>
+        <p:cNvGrpSpPr/>
+        <p:nvPr/>
+      </p:nvGrpSpPr>
+      <p:grpSpPr>
+        <a:xfrm>
+          <a:off x="0" y="0"/>
+          <a:ext cx="0" cy="0"/>
+          <a:chOff x="0" y="0"/>
+          <a:chExt cx="0" cy="0"/>
+        </a:xfrm>
+      </p:grpSpPr>
+      <p:sp>
+        <p:nvSpPr>
+          <p:cNvPr id="2" name="Title 1"/>
+          <p:cNvSpPr>
+            <a:spLocks noGrp="1"/>
+          </p:cNvSpPr>
+          <p:nvPr>
+            <p:ph type="title"/>
+          </p:nvPr>
+        </p:nvSpPr>
+        <p:spPr>
+          <a:xfrm>
+            <a:off x="457200" y="274638"/>
+            <a:ext cx="6030686" cy="1143000"/>
+          </a:xfrm>
+        </p:spPr>
+        <p:txBody>
+          <a:bodyPr/>
+          <a:lstStyle/>
+          <a:p>
+            <a:r>
+              <a:rPr dirty="0" err="1"/>
+              <a:t>Пошаговый</a:t>
+            </a:r>
+            <a:r>
+              <a:rPr dirty="0"/>
+              <a:t> </a:t>
+            </a:r>
+            <a:r>
+              <a:rPr dirty="0" err="1"/>
+              <a:t>разбор</a:t>
+            </a:r>
+            <a:endParaRPr dirty="0"/>
+          </a:p>
+        </p:txBody>
+      </p:sp>
+      <p:sp>
+        <p:nvSpPr>
+          <p:cNvPr id="5" name="Rectangle 2">
+            <a:extLst>
+              <a:ext uri="{FF2B5EF4-FFF2-40B4-BE49-F238E27FC236}">
+                <a16:creationId xmlns:a16="http://schemas.microsoft.com/office/drawing/2014/main" id="{100E2356-0B66-2A00-EC15-08D64420C5A0}"/>
+              </a:ext>
+            </a:extLst>
+          </p:cNvPr>
+          <p:cNvSpPr>
+            <a:spLocks noGrp="1" noChangeArrowheads="1"/>
+          </p:cNvSpPr>
+          <p:nvPr>
+            <p:ph idx="1"/>
+          </p:nvPr>
+        </p:nvSpPr>
+        <p:spPr bwMode="auto">
+          <a:xfrm>
+            <a:off x="424540" y="3245982"/>
+            <a:ext cx="11223171" cy="2554545"/>
+          </a:xfrm>
+          <a:prstGeom prst="rect">
+            <a:avLst/>
+          </a:prstGeom>
+          <a:noFill/>
+          <a:ln>
+            <a:noFill/>
+          </a:ln>
+          <a:effectLst/>
+          <a:extLst>
+            <a:ext uri="{909E8E84-426E-40DD-AFC4-6F175D3DCCD1}">
+              <a14:hiddenFill xmlns:a14="http://schemas.microsoft.com/office/drawing/2010/main">
+                <a:solidFill>
+                  <a:schemeClr val="accent1"/>
+                </a:solidFill>
+              </a14:hiddenFill>
+            </a:ext>
+            <a:ext uri="{91240B29-F687-4F45-9708-019B960494DF}">
+              <a14:hiddenLine xmlns:a14="http://schemas.microsoft.com/office/drawing/2010/main" w="9525">
+                <a:solidFill>
+                  <a:schemeClr val="tx1"/>
+                </a:solidFill>
+                <a:miter lim="800000"/>
+                <a:headEnd/>
+                <a:tailEnd/>
+              </a14:hiddenLine>
+            </a:ext>
+            <a:ext uri="{AF507438-7753-43E0-B8FC-AC1667EBCBE1}">
+              <a14:hiddenEffects xmlns:a14="http://schemas.microsoft.com/office/drawing/2010/main">
+                <a:effectLst>
+                  <a:outerShdw dist="35921" dir="2700000" algn="ctr" rotWithShape="0">
+                    <a:schemeClr val="bg2"/>
+                  </a:outerShdw>
+                </a:effectLst>
+              </a14:hiddenEffects>
+            </a:ext>
+          </a:extLst>
+        </p:spPr>
+        <p:txBody>
+          <a:bodyPr vert="horz" wrap="square" lIns="91440" tIns="45720" rIns="91440" bIns="45720" numCol="1" anchor="ctr" anchorCtr="0" compatLnSpc="1">
+            <a:prstTxWarp prst="textNoShape">
+              <a:avLst/>
+            </a:prstTxWarp>
+            <a:spAutoFit/>
+          </a:bodyPr>
+          <a:lstStyle/>
+          <a:p>
+            <a:pPr marL="0" marR="0" lvl="0" indent="0" algn="l" defTabSz="914400" rtl="0" eaLnBrk="0" fontAlgn="base" latinLnBrk="0" hangingPunct="0">
+              <a:lnSpc>
+                <a:spcPct val="100000"/>
+              </a:lnSpc>
+              <a:spcBef>
+                <a:spcPct val="0"/>
+              </a:spcBef>
+              <a:spcAft>
+                <a:spcPct val="0"/>
+              </a:spcAft>
+              <a:buClrTx/>
+              <a:buSzTx/>
+              <a:buFontTx/>
+              <a:buNone/>
+              <a:tabLst/>
+            </a:pPr>
+            <a:r>
+              <a:rPr lang="en-US" altLang="ru-RU" sz="2000" dirty="0">
+                <a:latin typeface="Arial" panose="020B0604020202020204" pitchFamily="34" charset="0"/>
+              </a:rPr>
+              <a:t>Grid = [</a:t>
+            </a:r>
+          </a:p>
+          <a:p>
+            <a:pPr marL="0" marR="0" lvl="0" indent="0" algn="l" defTabSz="914400" rtl="0" eaLnBrk="0" fontAlgn="base" latinLnBrk="0" hangingPunct="0">
+              <a:lnSpc>
+                <a:spcPct val="100000"/>
+              </a:lnSpc>
+              <a:spcBef>
+                <a:spcPct val="0"/>
+              </a:spcBef>
+              <a:spcAft>
+                <a:spcPct val="0"/>
+              </a:spcAft>
+              <a:buClrTx/>
+              <a:buSzTx/>
+              <a:buFontTx/>
+              <a:buNone/>
+              <a:tabLst/>
+            </a:pPr>
+            <a:r>
+              <a:rPr lang="en-US" altLang="ru-RU" sz="2000" dirty="0">
+                <a:latin typeface="Arial" panose="020B0604020202020204" pitchFamily="34" charset="0"/>
+              </a:rPr>
+              <a:t>	[2,1,1],</a:t>
+            </a:r>
+          </a:p>
+          <a:p>
+            <a:pPr marL="0" marR="0" lvl="0" indent="0" algn="l" defTabSz="914400" rtl="0" eaLnBrk="0" fontAlgn="base" latinLnBrk="0" hangingPunct="0">
+              <a:lnSpc>
+                <a:spcPct val="100000"/>
+              </a:lnSpc>
+              <a:spcBef>
+                <a:spcPct val="0"/>
+              </a:spcBef>
+              <a:spcAft>
+                <a:spcPct val="0"/>
+              </a:spcAft>
+              <a:buClrTx/>
+              <a:buSzTx/>
+              <a:buFontTx/>
+              <a:buNone/>
+              <a:tabLst/>
+            </a:pPr>
+            <a:r>
+              <a:rPr lang="en-US" altLang="ru-RU" sz="2000" dirty="0">
+                <a:latin typeface="Arial" panose="020B0604020202020204" pitchFamily="34" charset="0"/>
+              </a:rPr>
+              <a:t>	[1,1,0],</a:t>
+            </a:r>
+          </a:p>
+          <a:p>
+            <a:pPr marL="0" marR="0" lvl="0" indent="0" algn="l" defTabSz="914400" rtl="0" eaLnBrk="0" fontAlgn="base" latinLnBrk="0" hangingPunct="0">
+              <a:lnSpc>
+                <a:spcPct val="100000"/>
+              </a:lnSpc>
+              <a:spcBef>
+                <a:spcPct val="0"/>
+              </a:spcBef>
+              <a:spcAft>
+                <a:spcPct val="0"/>
+              </a:spcAft>
+              <a:buClrTx/>
+              <a:buSzTx/>
+              <a:buFontTx/>
+              <a:buNone/>
+              <a:tabLst/>
+            </a:pPr>
+            <a:r>
+              <a:rPr lang="en-US" altLang="ru-RU" sz="2000" dirty="0">
+                <a:latin typeface="Arial" panose="020B0604020202020204" pitchFamily="34" charset="0"/>
+              </a:rPr>
+              <a:t>	[0,1,1]]</a:t>
+            </a:r>
+          </a:p>
+          <a:p>
+            <a:pPr marL="0" marR="0" lvl="0" indent="0" algn="l" defTabSz="914400" rtl="0" eaLnBrk="0" fontAlgn="base" latinLnBrk="0" hangingPunct="0">
+              <a:lnSpc>
+                <a:spcPct val="100000"/>
+              </a:lnSpc>
+              <a:spcBef>
+                <a:spcPct val="0"/>
+              </a:spcBef>
+              <a:spcAft>
+                <a:spcPct val="0"/>
+              </a:spcAft>
+              <a:buClrTx/>
+              <a:buSzTx/>
+              <a:buFontTx/>
+              <a:buNone/>
+              <a:tabLst/>
+            </a:pPr>
+            <a:r>
+              <a:rPr lang="en-US" altLang="ru-RU" sz="2000" dirty="0">
+                <a:latin typeface="Arial" panose="020B0604020202020204" pitchFamily="34" charset="0"/>
+              </a:rPr>
+              <a:t>X = 0</a:t>
+            </a:r>
+          </a:p>
+          <a:p>
+            <a:pPr marL="0" marR="0" lvl="0" indent="0" algn="l" defTabSz="914400" rtl="0" eaLnBrk="0" fontAlgn="base" latinLnBrk="0" hangingPunct="0">
+              <a:lnSpc>
+                <a:spcPct val="100000"/>
+              </a:lnSpc>
+              <a:spcBef>
+                <a:spcPct val="0"/>
+              </a:spcBef>
+              <a:spcAft>
+                <a:spcPct val="0"/>
+              </a:spcAft>
+              <a:buClrTx/>
+              <a:buSzTx/>
+              <a:buFontTx/>
+              <a:buNone/>
+              <a:tabLst/>
+            </a:pPr>
+            <a:r>
+              <a:rPr lang="en-US" altLang="ru-RU" sz="2000" dirty="0">
+                <a:latin typeface="Arial" panose="020B0604020202020204" pitchFamily="34" charset="0"/>
+              </a:rPr>
+              <a:t>Y </a:t>
+            </a:r>
+            <a:r>
+              <a:rPr lang="en-US" altLang="ru-RU" sz="2000">
+                <a:latin typeface="Arial" panose="020B0604020202020204" pitchFamily="34" charset="0"/>
+              </a:rPr>
+              <a:t>= 2</a:t>
+            </a:r>
+            <a:endParaRPr lang="en-US" altLang="ru-RU" sz="2000" dirty="0">
+              <a:latin typeface="Arial" panose="020B0604020202020204" pitchFamily="34" charset="0"/>
+            </a:endParaRPr>
+          </a:p>
+          <a:p>
+            <a:pPr marL="0" marR="0" lvl="0" indent="0" algn="l" defTabSz="914400" rtl="0" eaLnBrk="0" fontAlgn="base" latinLnBrk="0" hangingPunct="0">
+              <a:lnSpc>
+                <a:spcPct val="100000"/>
+              </a:lnSpc>
+              <a:spcBef>
+                <a:spcPct val="0"/>
+              </a:spcBef>
+              <a:spcAft>
+                <a:spcPct val="0"/>
+              </a:spcAft>
+              <a:buClrTx/>
+              <a:buSzTx/>
+              <a:buFontTx/>
+              <a:buNone/>
+              <a:tabLst/>
+            </a:pPr>
+            <a:r>
+              <a:rPr lang="en-US" altLang="ru-RU" sz="2000" dirty="0">
+                <a:latin typeface="Arial" panose="020B0604020202020204" pitchFamily="34" charset="0"/>
+              </a:rPr>
+              <a:t>Grid[]</a:t>
+            </a:r>
+          </a:p>
+          <a:p>
+            <a:pPr marL="0" marR="0" lvl="0" indent="0" algn="l" defTabSz="914400" rtl="0" eaLnBrk="0" fontAlgn="base" latinLnBrk="0" hangingPunct="0">
+              <a:lnSpc>
+                <a:spcPct val="100000"/>
+              </a:lnSpc>
+              <a:spcBef>
+                <a:spcPct val="0"/>
+              </a:spcBef>
+              <a:spcAft>
+                <a:spcPct val="0"/>
+              </a:spcAft>
+              <a:buClrTx/>
+              <a:buSzTx/>
+              <a:buFontTx/>
+              <a:buNone/>
+              <a:tabLst/>
+            </a:pPr>
+            <a:endParaRPr kumimoji="0" lang="ru-RU" altLang="ru-RU" sz="2000" b="0" i="0" u="none" strike="noStrike" cap="none" normalizeH="0" baseline="0" dirty="0">
+              <a:ln>
+                <a:noFill/>
+              </a:ln>
+              <a:solidFill>
+                <a:schemeClr val="tx1"/>
+              </a:solidFill>
+              <a:effectLst/>
+              <a:latin typeface="Arial" panose="020B0604020202020204" pitchFamily="34" charset="0"/>
+            </a:endParaRPr>
+          </a:p>
+        </p:txBody>
+      </p:sp>
+    </p:spTree>
+    <p:extLst>
+      <p:ext uri="{BB962C8B-B14F-4D97-AF65-F5344CB8AC3E}">
+        <p14:creationId xmlns:p14="http://schemas.microsoft.com/office/powerpoint/2010/main" val="1384645571"/>
+      </p:ext>
+    </p:extLst>
   </p:cSld>
   <p:clrMapOvr>
     <a:masterClrMapping/>
